--- a/Offline/TeacherRecruitment/FaceBookAdForTeacherRecruitments/Vaccancy-Ads/BFTeacherRecruitmentAds.pptx
+++ b/Offline/TeacherRecruitment/FaceBookAdForTeacherRecruitments/Vaccancy-Ads/BFTeacherRecruitmentAds.pptx
@@ -243,7 +243,7 @@
           <a:p>
             <a:fld id="{97D4CEB5-D715-49F4-8146-54BD8651C3AA}" type="datetimeFigureOut">
               <a:rPr lang="en-AU" smtClean="0"/>
-              <a:t>26/07/2023</a:t>
+              <a:t>16/09/2023</a:t>
             </a:fld>
             <a:endParaRPr lang="en-AU"/>
           </a:p>
@@ -413,7 +413,7 @@
           <a:p>
             <a:fld id="{97D4CEB5-D715-49F4-8146-54BD8651C3AA}" type="datetimeFigureOut">
               <a:rPr lang="en-AU" smtClean="0"/>
-              <a:t>26/07/2023</a:t>
+              <a:t>16/09/2023</a:t>
             </a:fld>
             <a:endParaRPr lang="en-AU"/>
           </a:p>
@@ -593,7 +593,7 @@
           <a:p>
             <a:fld id="{97D4CEB5-D715-49F4-8146-54BD8651C3AA}" type="datetimeFigureOut">
               <a:rPr lang="en-AU" smtClean="0"/>
-              <a:t>26/07/2023</a:t>
+              <a:t>16/09/2023</a:t>
             </a:fld>
             <a:endParaRPr lang="en-AU"/>
           </a:p>
@@ -763,7 +763,7 @@
           <a:p>
             <a:fld id="{97D4CEB5-D715-49F4-8146-54BD8651C3AA}" type="datetimeFigureOut">
               <a:rPr lang="en-AU" smtClean="0"/>
-              <a:t>26/07/2023</a:t>
+              <a:t>16/09/2023</a:t>
             </a:fld>
             <a:endParaRPr lang="en-AU"/>
           </a:p>
@@ -1007,7 +1007,7 @@
           <a:p>
             <a:fld id="{97D4CEB5-D715-49F4-8146-54BD8651C3AA}" type="datetimeFigureOut">
               <a:rPr lang="en-AU" smtClean="0"/>
-              <a:t>26/07/2023</a:t>
+              <a:t>16/09/2023</a:t>
             </a:fld>
             <a:endParaRPr lang="en-AU"/>
           </a:p>
@@ -1239,7 +1239,7 @@
           <a:p>
             <a:fld id="{97D4CEB5-D715-49F4-8146-54BD8651C3AA}" type="datetimeFigureOut">
               <a:rPr lang="en-AU" smtClean="0"/>
-              <a:t>26/07/2023</a:t>
+              <a:t>16/09/2023</a:t>
             </a:fld>
             <a:endParaRPr lang="en-AU"/>
           </a:p>
@@ -1606,7 +1606,7 @@
           <a:p>
             <a:fld id="{97D4CEB5-D715-49F4-8146-54BD8651C3AA}" type="datetimeFigureOut">
               <a:rPr lang="en-AU" smtClean="0"/>
-              <a:t>26/07/2023</a:t>
+              <a:t>16/09/2023</a:t>
             </a:fld>
             <a:endParaRPr lang="en-AU"/>
           </a:p>
@@ -1724,7 +1724,7 @@
           <a:p>
             <a:fld id="{97D4CEB5-D715-49F4-8146-54BD8651C3AA}" type="datetimeFigureOut">
               <a:rPr lang="en-AU" smtClean="0"/>
-              <a:t>26/07/2023</a:t>
+              <a:t>16/09/2023</a:t>
             </a:fld>
             <a:endParaRPr lang="en-AU"/>
           </a:p>
@@ -1819,7 +1819,7 @@
           <a:p>
             <a:fld id="{97D4CEB5-D715-49F4-8146-54BD8651C3AA}" type="datetimeFigureOut">
               <a:rPr lang="en-AU" smtClean="0"/>
-              <a:t>26/07/2023</a:t>
+              <a:t>16/09/2023</a:t>
             </a:fld>
             <a:endParaRPr lang="en-AU"/>
           </a:p>
@@ -2096,7 +2096,7 @@
           <a:p>
             <a:fld id="{97D4CEB5-D715-49F4-8146-54BD8651C3AA}" type="datetimeFigureOut">
               <a:rPr lang="en-AU" smtClean="0"/>
-              <a:t>26/07/2023</a:t>
+              <a:t>16/09/2023</a:t>
             </a:fld>
             <a:endParaRPr lang="en-AU"/>
           </a:p>
@@ -2353,7 +2353,7 @@
           <a:p>
             <a:fld id="{97D4CEB5-D715-49F4-8146-54BD8651C3AA}" type="datetimeFigureOut">
               <a:rPr lang="en-AU" smtClean="0"/>
-              <a:t>26/07/2023</a:t>
+              <a:t>16/09/2023</a:t>
             </a:fld>
             <a:endParaRPr lang="en-AU"/>
           </a:p>
@@ -2566,7 +2566,7 @@
           <a:p>
             <a:fld id="{97D4CEB5-D715-49F4-8146-54BD8651C3AA}" type="datetimeFigureOut">
               <a:rPr lang="en-AU" smtClean="0"/>
-              <a:t>26/07/2023</a:t>
+              <a:t>16/09/2023</a:t>
             </a:fld>
             <a:endParaRPr lang="en-AU"/>
           </a:p>
@@ -3028,6 +3028,15 @@
         <p:blipFill>
           <a:blip r:embed="rId2">
             <a:extLst>
+              <a:ext uri="{BEBA8EAE-BF5A-486C-A8C5-ECC9F3942E4B}">
+                <a14:imgProps xmlns:a14="http://schemas.microsoft.com/office/drawing/2010/main">
+                  <a14:imgLayer r:embed="rId3">
+                    <a14:imgEffect>
+                      <a14:brightnessContrast bright="33000" contrast="33000"/>
+                    </a14:imgEffect>
+                  </a14:imgLayer>
+                </a14:imgProps>
+              </a:ext>
               <a:ext uri="{28A0092B-C50C-407E-A947-70E740481C1C}">
                 <a14:useLocalDpi xmlns:a14="http://schemas.microsoft.com/office/drawing/2010/main" val="0"/>
               </a:ext>
@@ -3039,8 +3048,8 @@
         </p:blipFill>
         <p:spPr>
           <a:xfrm>
-            <a:off x="4346492" y="1820485"/>
-            <a:ext cx="3861305" cy="1836698"/>
+            <a:off x="3511749" y="4395440"/>
+            <a:ext cx="5139398" cy="2444646"/>
           </a:xfrm>
           <a:prstGeom prst="rect">
             <a:avLst/>
@@ -3056,8 +3065,17 @@
           <p:nvPr/>
         </p:nvPicPr>
         <p:blipFill>
-          <a:blip r:embed="rId3">
+          <a:blip r:embed="rId4">
             <a:extLst>
+              <a:ext uri="{BEBA8EAE-BF5A-486C-A8C5-ECC9F3942E4B}">
+                <a14:imgProps xmlns:a14="http://schemas.microsoft.com/office/drawing/2010/main">
+                  <a14:imgLayer r:embed="rId5">
+                    <a14:imgEffect>
+                      <a14:brightnessContrast bright="33000" contrast="33000"/>
+                    </a14:imgEffect>
+                  </a14:imgLayer>
+                </a14:imgProps>
+              </a:ext>
               <a:ext uri="{28A0092B-C50C-407E-A947-70E740481C1C}">
                 <a14:useLocalDpi xmlns:a14="http://schemas.microsoft.com/office/drawing/2010/main" val="0"/>
               </a:ext>
@@ -3069,8 +3087,8 @@
         </p:blipFill>
         <p:spPr>
           <a:xfrm flipH="1">
-            <a:off x="-9942" y="1330414"/>
-            <a:ext cx="1881699" cy="2326769"/>
+            <a:off x="-48029" y="3436602"/>
+            <a:ext cx="2754996" cy="3406623"/>
           </a:xfrm>
           <a:prstGeom prst="rect">
             <a:avLst/>
@@ -3085,7 +3103,7 @@
         </p:nvGrpSpPr>
         <p:grpSpPr>
           <a:xfrm>
-            <a:off x="3694175" y="5856169"/>
+            <a:off x="1921363" y="5320318"/>
             <a:ext cx="2997811" cy="836369"/>
             <a:chOff x="5550427" y="1477122"/>
             <a:chExt cx="3570187" cy="1101044"/>
@@ -3693,8 +3711,8 @@
         </p:nvSpPr>
         <p:spPr>
           <a:xfrm>
-            <a:off x="-45720" y="265176"/>
-            <a:ext cx="6840538" cy="5492722"/>
+            <a:off x="65217" y="190500"/>
+            <a:ext cx="6733858" cy="4832092"/>
           </a:xfrm>
           <a:prstGeom prst="rect">
             <a:avLst/>
@@ -3709,191 +3727,224 @@
           <a:p>
             <a:pPr algn="ctr"/>
             <a:r>
-              <a:rPr lang="en-US" sz="3600" b="1" dirty="0">
+              <a:rPr lang="en-US" sz="3600" b="1" cap="small" dirty="0">
                 <a:solidFill>
                   <a:schemeClr val="bg1"/>
                 </a:solidFill>
+                <a:effectLst>
+                  <a:outerShdw blurRad="38100" dist="38100" dir="2700000" algn="tl">
+                    <a:srgbClr val="000000">
+                      <a:alpha val="43137"/>
+                    </a:srgbClr>
+                  </a:outerShdw>
+                </a:effectLst>
                 <a:latin typeface="Oxygen" panose="02000503000000000000" pitchFamily="2" charset="0"/>
               </a:rPr>
-              <a:t>AUSTRALIAN EDTECH </a:t>
-            </a:r>
+              <a:t>Urgent Requirement at Patuli</a:t>
+            </a:r>
+            <a:endParaRPr lang="en-US" sz="300" b="1" cap="small" dirty="0">
+              <a:solidFill>
+                <a:schemeClr val="bg1"/>
+              </a:solidFill>
+              <a:effectLst>
+                <a:outerShdw blurRad="38100" dist="38100" dir="2700000" algn="tl">
+                  <a:srgbClr val="000000">
+                    <a:alpha val="43137"/>
+                  </a:srgbClr>
+                </a:outerShdw>
+              </a:effectLst>
+              <a:latin typeface="Oxygen" panose="02000503000000000000" pitchFamily="2" charset="0"/>
+            </a:endParaRPr>
           </a:p>
           <a:p>
             <a:pPr algn="ctr"/>
+            <a:endParaRPr lang="en-US" sz="1400" b="1" dirty="0">
+              <a:solidFill>
+                <a:schemeClr val="bg1"/>
+              </a:solidFill>
+              <a:effectLst>
+                <a:outerShdw blurRad="38100" dist="38100" dir="2700000" algn="tl">
+                  <a:srgbClr val="000000">
+                    <a:alpha val="43137"/>
+                  </a:srgbClr>
+                </a:outerShdw>
+              </a:effectLst>
+              <a:latin typeface="Oxygen" panose="02000503000000000000" pitchFamily="2" charset="0"/>
+            </a:endParaRPr>
+          </a:p>
+          <a:p>
+            <a:pPr algn="ctr"/>
+            <a:r>
+              <a:rPr lang="en-US" sz="3600" b="1" cap="small" dirty="0">
+                <a:solidFill>
+                  <a:schemeClr val="bg1"/>
+                </a:solidFill>
+                <a:effectLst>
+                  <a:outerShdw blurRad="38100" dist="38100" dir="2700000" algn="tl">
+                    <a:srgbClr val="000000">
+                      <a:alpha val="43137"/>
+                    </a:srgbClr>
+                  </a:outerShdw>
+                </a:effectLst>
+                <a:latin typeface="Oxygen" panose="02000503000000000000" pitchFamily="2" charset="0"/>
+              </a:rPr>
+              <a:t>Coaching Centre &amp; Edtech App</a:t>
+            </a:r>
+          </a:p>
+          <a:p>
+            <a:pPr marL="457200" indent="-457200">
+              <a:lnSpc>
+                <a:spcPct val="250000"/>
+              </a:lnSpc>
+              <a:buFont typeface="Wingdings" panose="05000000000000000000" pitchFamily="2" charset="2"/>
+              <a:buChar char="v"/>
+            </a:pPr>
+            <a:r>
+              <a:rPr lang="en-US" sz="2800" b="1" u="sng" cap="small" dirty="0">
+                <a:solidFill>
+                  <a:schemeClr val="bg1"/>
+                </a:solidFill>
+                <a:effectLst>
+                  <a:outerShdw blurRad="38100" dist="38100" dir="2700000" algn="tl">
+                    <a:srgbClr val="000000">
+                      <a:alpha val="43137"/>
+                    </a:srgbClr>
+                  </a:outerShdw>
+                </a:effectLst>
+                <a:latin typeface="Oxygen" panose="02000503000000000000" pitchFamily="2" charset="0"/>
+              </a:rPr>
+              <a:t>Geography, Philosophy Psychology</a:t>
+            </a:r>
+          </a:p>
+          <a:p>
+            <a:pPr marL="457200" indent="-457200">
+              <a:buFont typeface="Wingdings" panose="05000000000000000000" pitchFamily="2" charset="2"/>
+              <a:buChar char="v"/>
+            </a:pPr>
+            <a:r>
+              <a:rPr lang="en-US" sz="2800" b="1" u="sng" cap="small" dirty="0">
+                <a:solidFill>
+                  <a:schemeClr val="bg1"/>
+                </a:solidFill>
+                <a:effectLst>
+                  <a:outerShdw blurRad="38100" dist="38100" dir="2700000" algn="tl">
+                    <a:srgbClr val="000000">
+                      <a:alpha val="43137"/>
+                    </a:srgbClr>
+                  </a:outerShdw>
+                </a:effectLst>
+                <a:latin typeface="Oxygen" panose="02000503000000000000" pitchFamily="2" charset="0"/>
+              </a:rPr>
+              <a:t>Chemistry, Biology &amp; AI</a:t>
+            </a:r>
+          </a:p>
+          <a:p>
+            <a:endParaRPr lang="en-US" sz="1400" b="1" dirty="0">
+              <a:solidFill>
+                <a:schemeClr val="bg1"/>
+              </a:solidFill>
+              <a:effectLst>
+                <a:outerShdw blurRad="38100" dist="38100" dir="2700000" algn="tl">
+                  <a:srgbClr val="000000">
+                    <a:alpha val="43137"/>
+                  </a:srgbClr>
+                </a:outerShdw>
+              </a:effectLst>
+              <a:latin typeface="Oxygen" panose="02000503000000000000" pitchFamily="2" charset="0"/>
+            </a:endParaRPr>
+          </a:p>
+          <a:p>
+            <a:pPr algn="ctr">
+              <a:lnSpc>
+                <a:spcPct val="200000"/>
+              </a:lnSpc>
+            </a:pPr>
+            <a:r>
+              <a:rPr lang="en-US" sz="2800" b="1" cap="small" dirty="0">
+                <a:solidFill>
+                  <a:schemeClr val="bg1"/>
+                </a:solidFill>
+                <a:effectLst>
+                  <a:outerShdw blurRad="38100" dist="38100" dir="2700000" algn="tl">
+                    <a:srgbClr val="000000">
+                      <a:alpha val="43137"/>
+                    </a:srgbClr>
+                  </a:outerShdw>
+                </a:effectLst>
+                <a:latin typeface="Oxygen" panose="02000503000000000000" pitchFamily="2" charset="0"/>
+              </a:rPr>
+              <a:t>Best Work Environment   ||   Great Pay</a:t>
+            </a:r>
+            <a:endParaRPr lang="en-US" sz="2000" b="1" cap="small" dirty="0">
+              <a:solidFill>
+                <a:schemeClr val="bg1"/>
+              </a:solidFill>
+              <a:effectLst>
+                <a:outerShdw blurRad="38100" dist="38100" dir="2700000" algn="tl">
+                  <a:srgbClr val="000000">
+                    <a:alpha val="43137"/>
+                  </a:srgbClr>
+                </a:outerShdw>
+              </a:effectLst>
+              <a:latin typeface="Oxygen" panose="02000503000000000000" pitchFamily="2" charset="0"/>
+            </a:endParaRPr>
+          </a:p>
+          <a:p>
+            <a:pPr algn="ctr">
+              <a:lnSpc>
+                <a:spcPct val="150000"/>
+              </a:lnSpc>
+            </a:pPr>
             <a:r>
               <a:rPr lang="en-US" sz="2000" b="1" dirty="0">
                 <a:solidFill>
                   <a:schemeClr val="bg1"/>
                 </a:solidFill>
+                <a:effectLst>
+                  <a:outerShdw blurRad="38100" dist="38100" dir="2700000" algn="tl">
+                    <a:srgbClr val="000000">
+                      <a:alpha val="43137"/>
+                    </a:srgbClr>
+                  </a:outerShdw>
+                </a:effectLst>
                 <a:latin typeface="Oxygen" panose="02000503000000000000" pitchFamily="2" charset="0"/>
               </a:rPr>
-              <a:t>URGENTLY REQUIRES</a:t>
-            </a:r>
-          </a:p>
-          <a:p>
-            <a:pPr algn="ctr"/>
-            <a:r>
-              <a:rPr lang="en-US" sz="2000" b="1" dirty="0">
+              <a:t>Send CV to </a:t>
+            </a:r>
+            <a:r>
+              <a:rPr lang="en-US" sz="2000" b="1" u="sng" dirty="0">
                 <a:solidFill>
                   <a:schemeClr val="bg1"/>
                 </a:solidFill>
+                <a:effectLst>
+                  <a:outerShdw blurRad="38100" dist="38100" dir="2700000" algn="tl">
+                    <a:srgbClr val="000000">
+                      <a:alpha val="43137"/>
+                    </a:srgbClr>
+                  </a:outerShdw>
+                </a:effectLst>
                 <a:latin typeface="Oxygen" panose="02000503000000000000" pitchFamily="2" charset="0"/>
+                <a:hlinkClick r:id="rId6">
+                  <a:extLst>
+                    <a:ext uri="{A12FA001-AC4F-418D-AE19-62706E023703}">
+                      <ahyp:hlinkClr xmlns:ahyp="http://schemas.microsoft.com/office/drawing/2018/hyperlinkcolor" val="tx"/>
+                    </a:ext>
+                  </a:extLst>
+                </a:hlinkClick>
               </a:rPr>
-              <a:t> </a:t>
-            </a:r>
-            <a:r>
-              <a:rPr lang="en-US" sz="3200" b="1" dirty="0">
-                <a:solidFill>
-                  <a:schemeClr val="bg1"/>
-                </a:solidFill>
-                <a:latin typeface="Oxygen" panose="02000503000000000000" pitchFamily="2" charset="0"/>
-              </a:rPr>
-              <a:t>TEACHERS AT PATULI, KOLKATA</a:t>
-            </a:r>
-          </a:p>
-          <a:p>
-            <a:pPr algn="ctr"/>
-            <a:endParaRPr lang="en-US" sz="300" dirty="0">
+              <a:t>anirban@anodiam.com</a:t>
+            </a:r>
+            <a:endParaRPr lang="en-US" sz="600" b="1" dirty="0">
               <a:solidFill>
                 <a:schemeClr val="bg1"/>
               </a:solidFill>
-              <a:latin typeface="Oxygen" panose="02000503000000000000" pitchFamily="2" charset="0"/>
-            </a:endParaRPr>
-          </a:p>
-          <a:p>
-            <a:pPr algn="ctr"/>
-            <a:endParaRPr lang="en-US" sz="1400" dirty="0">
-              <a:solidFill>
-                <a:schemeClr val="bg1"/>
-              </a:solidFill>
-              <a:latin typeface="Oxygen" panose="02000503000000000000" pitchFamily="2" charset="0"/>
-            </a:endParaRPr>
-          </a:p>
-          <a:p>
-            <a:pPr algn="ctr"/>
-            <a:r>
-              <a:rPr lang="en-US" sz="1800" b="1" dirty="0">
-                <a:solidFill>
-                  <a:schemeClr val="bg1"/>
-                </a:solidFill>
-                <a:latin typeface="Oxygen" panose="02000503000000000000" pitchFamily="2" charset="0"/>
-              </a:rPr>
-              <a:t>ICSE, CBSE, WB - All Subjects</a:t>
-            </a:r>
-          </a:p>
-          <a:p>
-            <a:pPr algn="ctr"/>
-            <a:r>
-              <a:rPr lang="en-US" sz="1800" b="1" dirty="0">
-                <a:solidFill>
-                  <a:schemeClr val="bg1"/>
-                </a:solidFill>
-                <a:latin typeface="Oxygen" panose="02000503000000000000" pitchFamily="2" charset="0"/>
-              </a:rPr>
-              <a:t>IIT, JEE, NEET</a:t>
-            </a:r>
-          </a:p>
-          <a:p>
-            <a:pPr algn="ctr"/>
-            <a:r>
-              <a:rPr lang="en-US" sz="1800" b="1" dirty="0">
-                <a:solidFill>
-                  <a:schemeClr val="bg1"/>
-                </a:solidFill>
-                <a:latin typeface="Oxygen" panose="02000503000000000000" pitchFamily="2" charset="0"/>
-              </a:rPr>
-              <a:t>Java, Web, Python,  AI</a:t>
-            </a:r>
-          </a:p>
-          <a:p>
-            <a:pPr algn="ctr"/>
-            <a:r>
-              <a:rPr lang="en-US" sz="1800" b="1" dirty="0">
-                <a:solidFill>
-                  <a:schemeClr val="bg1"/>
-                </a:solidFill>
-                <a:latin typeface="Oxygen" panose="02000503000000000000" pitchFamily="2" charset="0"/>
-              </a:rPr>
-              <a:t>IELTS, Grooming, Foreign Languages</a:t>
-            </a:r>
-          </a:p>
-          <a:p>
-            <a:pPr algn="ctr"/>
-            <a:r>
-              <a:rPr lang="en-US" sz="1800" b="1" dirty="0">
-                <a:solidFill>
-                  <a:schemeClr val="bg1"/>
-                </a:solidFill>
-                <a:latin typeface="Oxygen" panose="02000503000000000000" pitchFamily="2" charset="0"/>
-              </a:rPr>
-              <a:t>Co-curricular activities, art, music, dance</a:t>
-            </a:r>
-          </a:p>
-          <a:p>
-            <a:pPr marL="285750" indent="-285750">
-              <a:buFont typeface="Wingdings" panose="05000000000000000000" pitchFamily="2" charset="2"/>
-              <a:buChar char="Ø"/>
-            </a:pPr>
-            <a:endParaRPr lang="en-US" dirty="0">
-              <a:solidFill>
-                <a:schemeClr val="bg1"/>
-              </a:solidFill>
-              <a:latin typeface="Oxygen" panose="02000503000000000000" pitchFamily="2" charset="0"/>
-            </a:endParaRPr>
-          </a:p>
-          <a:p>
-            <a:pPr algn="ctr"/>
-            <a:r>
-              <a:rPr lang="en-US" sz="1600" b="1" dirty="0">
-                <a:solidFill>
-                  <a:schemeClr val="bg1"/>
-                </a:solidFill>
-                <a:latin typeface="Oxygen" panose="02000503000000000000" pitchFamily="2" charset="0"/>
-              </a:rPr>
-              <a:t>Great Pay, Mentoring, Career Growth</a:t>
-            </a:r>
-          </a:p>
-          <a:p>
-            <a:pPr algn="ctr"/>
-            <a:r>
-              <a:rPr lang="en-US" sz="1600" b="1" dirty="0">
-                <a:solidFill>
-                  <a:schemeClr val="bg1"/>
-                </a:solidFill>
-                <a:latin typeface="Oxygen" panose="02000503000000000000" pitchFamily="2" charset="0"/>
-              </a:rPr>
-              <a:t>Wonderful location</a:t>
-            </a:r>
-          </a:p>
-          <a:p>
-            <a:pPr algn="ctr"/>
-            <a:r>
-              <a:rPr lang="en-US" sz="1600" b="1" dirty="0">
-                <a:solidFill>
-                  <a:schemeClr val="bg1"/>
-                </a:solidFill>
-                <a:latin typeface="Oxygen" panose="02000503000000000000" pitchFamily="2" charset="0"/>
-              </a:rPr>
-              <a:t>Smart AC Classrooms</a:t>
-            </a:r>
-          </a:p>
-          <a:p>
-            <a:pPr algn="ctr"/>
-            <a:r>
-              <a:rPr lang="en-US" sz="1600" b="1" dirty="0">
-                <a:solidFill>
-                  <a:schemeClr val="bg1"/>
-                </a:solidFill>
-                <a:latin typeface="Oxygen" panose="02000503000000000000" pitchFamily="2" charset="0"/>
-              </a:rPr>
-              <a:t>App releasing 2023</a:t>
-            </a:r>
-          </a:p>
-          <a:p>
-            <a:endParaRPr lang="en-US" sz="1400" b="1" dirty="0">
-              <a:solidFill>
-                <a:schemeClr val="bg1"/>
-              </a:solidFill>
+              <a:effectLst>
+                <a:outerShdw blurRad="38100" dist="38100" dir="2700000" algn="tl">
+                  <a:srgbClr val="000000">
+                    <a:alpha val="43137"/>
+                  </a:srgbClr>
+                </a:outerShdw>
+              </a:effectLst>
               <a:latin typeface="Oxygen" panose="02000503000000000000" pitchFamily="2" charset="0"/>
             </a:endParaRPr>
           </a:p>
@@ -3904,51 +3955,28 @@
                 <a:solidFill>
                   <a:schemeClr val="bg1"/>
                 </a:solidFill>
+                <a:effectLst>
+                  <a:outerShdw blurRad="38100" dist="38100" dir="2700000" algn="tl">
+                    <a:srgbClr val="000000">
+                      <a:alpha val="43137"/>
+                    </a:srgbClr>
+                  </a:outerShdw>
+                </a:effectLst>
                 <a:latin typeface="Oxygen" panose="02000503000000000000" pitchFamily="2" charset="0"/>
               </a:rPr>
-              <a:t>Please send CV to </a:t>
-            </a:r>
-            <a:r>
-              <a:rPr lang="en-US" sz="2400" b="1" u="sng" dirty="0">
-                <a:solidFill>
-                  <a:schemeClr val="bg1"/>
-                </a:solidFill>
-                <a:latin typeface="Oxygen" panose="02000503000000000000" pitchFamily="2" charset="0"/>
-                <a:hlinkClick r:id="rId4"/>
-              </a:rPr>
-              <a:t>anirban@anodiam.com</a:t>
-            </a:r>
-            <a:endParaRPr lang="en-US" sz="2400" b="1" u="sng" dirty="0">
-              <a:solidFill>
-                <a:schemeClr val="bg1"/>
-              </a:solidFill>
-              <a:latin typeface="Oxygen" panose="02000503000000000000" pitchFamily="2" charset="0"/>
-            </a:endParaRPr>
-          </a:p>
-          <a:p>
-            <a:pPr algn="ctr"/>
-            <a:endParaRPr lang="en-US" sz="600" b="1" dirty="0">
-              <a:solidFill>
-                <a:schemeClr val="bg1"/>
-              </a:solidFill>
-              <a:latin typeface="Oxygen" panose="02000503000000000000" pitchFamily="2" charset="0"/>
-            </a:endParaRPr>
-          </a:p>
-          <a:p>
-            <a:pPr algn="ctr"/>
-            <a:r>
-              <a:rPr lang="en-US" sz="2400" b="1" dirty="0">
-                <a:solidFill>
-                  <a:schemeClr val="bg1"/>
-                </a:solidFill>
-                <a:latin typeface="Oxygen" panose="02000503000000000000" pitchFamily="2" charset="0"/>
-              </a:rPr>
-              <a:t>or call  9073700094</a:t>
+              <a:t>or call  90737 00094</a:t>
             </a:r>
             <a:endParaRPr lang="en-AU" sz="2400" b="1" dirty="0">
               <a:solidFill>
                 <a:schemeClr val="bg1"/>
               </a:solidFill>
+              <a:effectLst>
+                <a:outerShdw blurRad="38100" dist="38100" dir="2700000" algn="tl">
+                  <a:srgbClr val="000000">
+                    <a:alpha val="43137"/>
+                  </a:srgbClr>
+                </a:outerShdw>
+              </a:effectLst>
               <a:latin typeface="Oxygen" panose="02000503000000000000" pitchFamily="2" charset="0"/>
             </a:endParaRPr>
           </a:p>
